--- a/Hardware/project_canvas.pptx
+++ b/Hardware/project_canvas.pptx
@@ -248,6 +248,116 @@
     </p:ext>
   </p:extLst>
 </p:presentation>
+</file>
+
+<file path=ppt/revisionInfo.xml><?xml version="1.0" encoding="utf-8"?>
+<p1510:revInfo xmlns:a="http://schemas.openxmlformats.org/drawingml/2006/main" xmlns:r="http://schemas.openxmlformats.org/officeDocument/2006/relationships" xmlns:p1510="http://schemas.microsoft.com/office/powerpoint/2015/10/main">
+  <p1510:revLst>
+    <p1510:client id="{153F8C34-4BDE-4410-840D-63545F894372}" v="2" dt="2020-09-16T20:08:26.192"/>
+    <p1510:client id="{C29EA2AF-8148-489F-B8C5-FD005960C2F5}" v="393" dt="2020-09-17T10:29:53.380"/>
+  </p1510:revLst>
+</p1510:revInfo>
+</file>
+
+<file path=ppt/changesInfos/changesInfo1.xml><?xml version="1.0" encoding="utf-8"?>
+<pc:chgInfo xmlns:a="http://schemas.openxmlformats.org/drawingml/2006/main" xmlns:r="http://schemas.openxmlformats.org/officeDocument/2006/relationships" xmlns:ac="http://schemas.microsoft.com/office/drawing/2013/main/command" xmlns:pc="http://schemas.microsoft.com/office/powerpoint/2013/main/command">
+  <pc:docChgLst>
+    <pc:chgData name="Kooij, F.M. (Floris)" userId="S::f.m.kooij@uu.nl::222a0bf6-fd37-4704-bd4e-e9532c1709ec" providerId="AD" clId="Web-{C29EA2AF-8148-489F-B8C5-FD005960C2F5}"/>
+    <pc:docChg chg="modSld">
+      <pc:chgData name="Kooij, F.M. (Floris)" userId="S::f.m.kooij@uu.nl::222a0bf6-fd37-4704-bd4e-e9532c1709ec" providerId="AD" clId="Web-{C29EA2AF-8148-489F-B8C5-FD005960C2F5}" dt="2020-09-17T10:29:51.333" v="381" actId="20577"/>
+      <pc:docMkLst>
+        <pc:docMk/>
+      </pc:docMkLst>
+      <pc:sldChg chg="addSp delSp modSp">
+        <pc:chgData name="Kooij, F.M. (Floris)" userId="S::f.m.kooij@uu.nl::222a0bf6-fd37-4704-bd4e-e9532c1709ec" providerId="AD" clId="Web-{C29EA2AF-8148-489F-B8C5-FD005960C2F5}" dt="2020-09-17T10:29:51.333" v="381" actId="20577"/>
+        <pc:sldMkLst>
+          <pc:docMk/>
+          <pc:sldMk cId="0" sldId="256"/>
+        </pc:sldMkLst>
+        <pc:spChg chg="add del mod">
+          <ac:chgData name="Kooij, F.M. (Floris)" userId="S::f.m.kooij@uu.nl::222a0bf6-fd37-4704-bd4e-e9532c1709ec" providerId="AD" clId="Web-{C29EA2AF-8148-489F-B8C5-FD005960C2F5}" dt="2020-09-17T10:19:55.109" v="4"/>
+          <ac:spMkLst>
+            <pc:docMk/>
+            <pc:sldMk cId="0" sldId="256"/>
+            <ac:spMk id="2" creationId="{918FF042-E108-424C-9249-B6526E13027D}"/>
+          </ac:spMkLst>
+        </pc:spChg>
+        <pc:spChg chg="mod">
+          <ac:chgData name="Kooij, F.M. (Floris)" userId="S::f.m.kooij@uu.nl::222a0bf6-fd37-4704-bd4e-e9532c1709ec" providerId="AD" clId="Web-{C29EA2AF-8148-489F-B8C5-FD005960C2F5}" dt="2020-09-17T10:21:44.907" v="53" actId="1076"/>
+          <ac:spMkLst>
+            <pc:docMk/>
+            <pc:sldMk cId="0" sldId="256"/>
+            <ac:spMk id="56" creationId="{00000000-0000-0000-0000-000000000000}"/>
+          </ac:spMkLst>
+        </pc:spChg>
+        <pc:spChg chg="mod">
+          <ac:chgData name="Kooij, F.M. (Floris)" userId="S::f.m.kooij@uu.nl::222a0bf6-fd37-4704-bd4e-e9532c1709ec" providerId="AD" clId="Web-{C29EA2AF-8148-489F-B8C5-FD005960C2F5}" dt="2020-09-17T10:29:51.333" v="381" actId="20577"/>
+          <ac:spMkLst>
+            <pc:docMk/>
+            <pc:sldMk cId="0" sldId="256"/>
+            <ac:spMk id="58" creationId="{00000000-0000-0000-0000-000000000000}"/>
+          </ac:spMkLst>
+        </pc:spChg>
+        <pc:spChg chg="mod">
+          <ac:chgData name="Kooij, F.M. (Floris)" userId="S::f.m.kooij@uu.nl::222a0bf6-fd37-4704-bd4e-e9532c1709ec" providerId="AD" clId="Web-{C29EA2AF-8148-489F-B8C5-FD005960C2F5}" dt="2020-09-17T10:22:28.111" v="75" actId="20577"/>
+          <ac:spMkLst>
+            <pc:docMk/>
+            <pc:sldMk cId="0" sldId="256"/>
+            <ac:spMk id="59" creationId="{00000000-0000-0000-0000-000000000000}"/>
+          </ac:spMkLst>
+        </pc:spChg>
+        <pc:spChg chg="mod">
+          <ac:chgData name="Kooij, F.M. (Floris)" userId="S::f.m.kooij@uu.nl::222a0bf6-fd37-4704-bd4e-e9532c1709ec" providerId="AD" clId="Web-{C29EA2AF-8148-489F-B8C5-FD005960C2F5}" dt="2020-09-17T10:24:07.330" v="165" actId="20577"/>
+          <ac:spMkLst>
+            <pc:docMk/>
+            <pc:sldMk cId="0" sldId="256"/>
+            <ac:spMk id="60" creationId="{00000000-0000-0000-0000-000000000000}"/>
+          </ac:spMkLst>
+        </pc:spChg>
+        <pc:spChg chg="mod">
+          <ac:chgData name="Kooij, F.M. (Floris)" userId="S::f.m.kooij@uu.nl::222a0bf6-fd37-4704-bd4e-e9532c1709ec" providerId="AD" clId="Web-{C29EA2AF-8148-489F-B8C5-FD005960C2F5}" dt="2020-09-17T10:23:23.596" v="133" actId="20577"/>
+          <ac:spMkLst>
+            <pc:docMk/>
+            <pc:sldMk cId="0" sldId="256"/>
+            <ac:spMk id="61" creationId="{00000000-0000-0000-0000-000000000000}"/>
+          </ac:spMkLst>
+        </pc:spChg>
+        <pc:spChg chg="mod">
+          <ac:chgData name="Kooij, F.M. (Floris)" userId="S::f.m.kooij@uu.nl::222a0bf6-fd37-4704-bd4e-e9532c1709ec" providerId="AD" clId="Web-{C29EA2AF-8148-489F-B8C5-FD005960C2F5}" dt="2020-09-17T10:26:58.816" v="245" actId="20577"/>
+          <ac:spMkLst>
+            <pc:docMk/>
+            <pc:sldMk cId="0" sldId="256"/>
+            <ac:spMk id="62" creationId="{00000000-0000-0000-0000-000000000000}"/>
+          </ac:spMkLst>
+        </pc:spChg>
+      </pc:sldChg>
+    </pc:docChg>
+  </pc:docChgLst>
+  <pc:docChgLst>
+    <pc:chgData name="Lömker, J. (Johanna)" userId="S::j.lomker@students.uu.nl::a31f48ba-d92b-4f0c-9459-152081d415be" providerId="AD" clId="Web-{153F8C34-4BDE-4410-840D-63545F894372}"/>
+    <pc:docChg chg="modSld">
+      <pc:chgData name="Lömker, J. (Johanna)" userId="S::j.lomker@students.uu.nl::a31f48ba-d92b-4f0c-9459-152081d415be" providerId="AD" clId="Web-{153F8C34-4BDE-4410-840D-63545F894372}" dt="2020-09-16T20:08:26.192" v="1"/>
+      <pc:docMkLst>
+        <pc:docMk/>
+      </pc:docMkLst>
+      <pc:sldChg chg="addSp delSp">
+        <pc:chgData name="Lömker, J. (Johanna)" userId="S::j.lomker@students.uu.nl::a31f48ba-d92b-4f0c-9459-152081d415be" providerId="AD" clId="Web-{153F8C34-4BDE-4410-840D-63545F894372}" dt="2020-09-16T20:08:26.192" v="1"/>
+        <pc:sldMkLst>
+          <pc:docMk/>
+          <pc:sldMk cId="0" sldId="257"/>
+        </pc:sldMkLst>
+        <pc:inkChg chg="add del">
+          <ac:chgData name="Lömker, J. (Johanna)" userId="S::j.lomker@students.uu.nl::a31f48ba-d92b-4f0c-9459-152081d415be" providerId="AD" clId="Web-{153F8C34-4BDE-4410-840D-63545F894372}" dt="2020-09-16T20:08:26.192" v="1"/>
+          <ac:inkMkLst>
+            <pc:docMk/>
+            <pc:sldMk cId="0" sldId="257"/>
+            <ac:inkMk id="2" creationId="{E0753FEE-E266-4185-BEB3-6BE31BAFD9BE}"/>
+          </ac:inkMkLst>
+        </pc:inkChg>
+      </pc:sldChg>
+    </pc:docChg>
+  </pc:docChgLst>
+</pc:chgInfo>
 </file>
 
 <file path=ppt/notesMasters/notesMaster1.xml><?xml version="1.0" encoding="utf-8"?>
@@ -860,7 +970,7 @@
         </p:nvSpPr>
         <p:spPr>
           <a:xfrm>
-            <a:off x="381300" y="685800"/>
+            <a:off x="381000" y="685800"/>
             <a:ext cx="6096000" cy="3429000"/>
           </a:xfrm>
           <a:custGeom>
@@ -5749,7 +5859,7 @@
               <a:buNone/>
             </a:pPr>
             <a:r>
-              <a:rPr lang="en" sz="1200" dirty="0">
+              <a:rPr lang="en" sz="1200">
                 <a:solidFill>
                   <a:srgbClr val="4A86E8"/>
                 </a:solidFill>
@@ -5761,7 +5871,7 @@
               <a:t>Collecting/structure the ideas of the C</a:t>
             </a:r>
             <a:r>
-              <a:rPr lang="en-GB" sz="1200" dirty="0">
+              <a:rPr lang="en-GB" sz="1200">
                 <a:solidFill>
                   <a:srgbClr val="4A86E8"/>
                 </a:solidFill>
@@ -5773,7 +5883,7 @@
               <a:t>o</a:t>
             </a:r>
             <a:r>
-              <a:rPr lang="en" sz="1200" dirty="0">
+              <a:rPr lang="en" sz="1200">
                 <a:solidFill>
                   <a:srgbClr val="4A86E8"/>
                 </a:solidFill>
@@ -5795,7 +5905,7 @@
               </a:spcAft>
               <a:buNone/>
             </a:pPr>
-            <a:endParaRPr lang="en" sz="1200" dirty="0">
+            <a:endParaRPr lang="en" sz="1200">
               <a:solidFill>
                 <a:srgbClr val="4A86E8"/>
               </a:solidFill>
@@ -5816,7 +5926,7 @@
               <a:buNone/>
             </a:pPr>
             <a:r>
-              <a:rPr lang="en" sz="1200" dirty="0">
+              <a:rPr lang="en" sz="1200">
                 <a:solidFill>
                   <a:srgbClr val="4A86E8"/>
                 </a:solidFill>
@@ -5838,7 +5948,7 @@
               </a:spcAft>
               <a:buNone/>
             </a:pPr>
-            <a:endParaRPr lang="en" sz="1200" dirty="0">
+            <a:endParaRPr lang="en" sz="1200">
               <a:solidFill>
                 <a:srgbClr val="4A86E8"/>
               </a:solidFill>
@@ -5859,7 +5969,7 @@
               <a:buNone/>
             </a:pPr>
             <a:r>
-              <a:rPr lang="en" sz="1200" dirty="0">
+              <a:rPr lang="en" sz="1200">
                 <a:solidFill>
                   <a:srgbClr val="4A86E8"/>
                 </a:solidFill>
@@ -5870,7 +5980,7 @@
               </a:rPr>
               <a:t>Install the hardware </a:t>
             </a:r>
-            <a:endParaRPr sz="1200" dirty="0">
+            <a:endParaRPr sz="1200">
               <a:solidFill>
                 <a:srgbClr val="4A86E8"/>
               </a:solidFill>
@@ -5917,7 +6027,7 @@
               <a:buNone/>
             </a:pPr>
             <a:r>
-              <a:rPr lang="en" sz="1200" dirty="0">
+              <a:rPr lang="en" sz="1200">
                 <a:solidFill>
                   <a:srgbClr val="4A86E8"/>
                 </a:solidFill>
@@ -5940,7 +6050,7 @@
               <a:buNone/>
             </a:pPr>
             <a:r>
-              <a:rPr lang="de-DE" sz="1200" dirty="0">
+              <a:rPr lang="de-DE" sz="1200">
                 <a:solidFill>
                   <a:srgbClr val="4A86E8"/>
                 </a:solidFill>
@@ -5963,7 +6073,7 @@
               <a:buNone/>
             </a:pPr>
             <a:r>
-              <a:rPr lang="de-DE" sz="1200" dirty="0">
+              <a:rPr lang="de-DE" sz="1200">
                 <a:solidFill>
                   <a:srgbClr val="4A86E8"/>
                 </a:solidFill>
@@ -5974,7 +6084,7 @@
               </a:rPr>
               <a:t>wire the sub and central facillities </a:t>
             </a:r>
-            <a:endParaRPr sz="1200" dirty="0">
+            <a:endParaRPr sz="1200">
               <a:solidFill>
                 <a:srgbClr val="4A86E8"/>
               </a:solidFill>
@@ -5994,7 +6104,7 @@
         </p:nvSpPr>
         <p:spPr>
           <a:xfrm>
-            <a:off x="2215749" y="2179874"/>
+            <a:off x="2208229" y="2142275"/>
             <a:ext cx="1389600" cy="1098000"/>
           </a:xfrm>
           <a:prstGeom prst="rect">
@@ -6011,17 +6121,8 @@
           </a:bodyPr>
           <a:lstStyle/>
           <a:p>
-            <a:pPr marL="0" lvl="0" indent="0" algn="l" rtl="0">
-              <a:spcBef>
-                <a:spcPts val="0"/>
-              </a:spcBef>
-              <a:spcAft>
-                <a:spcPts val="0"/>
-              </a:spcAft>
-              <a:buNone/>
-            </a:pPr>
-            <a:r>
-              <a:rPr lang="de-DE" sz="1200" dirty="0">
+            <a:r>
+              <a:rPr lang="de-DE" sz="1000">
                 <a:solidFill>
                   <a:srgbClr val="4A86E8"/>
                 </a:solidFill>
@@ -6030,16 +6131,363 @@
                 <a:cs typeface="Open Sans"/>
                 <a:sym typeface="Open Sans"/>
               </a:rPr>
-              <a:t>The data transfer has to work</a:t>
-            </a:r>
-            <a:endParaRPr sz="1200" dirty="0">
+              <a:t>The </a:t>
+            </a:r>
+            <a:r>
+              <a:rPr lang="de-DE" sz="1000" err="1">
+                <a:solidFill>
+                  <a:srgbClr val="4A86E8"/>
+                </a:solidFill>
+                <a:latin typeface="Open Sans"/>
+                <a:ea typeface="Open Sans"/>
+                <a:cs typeface="Open Sans"/>
+                <a:sym typeface="Open Sans"/>
+              </a:rPr>
+              <a:t>data</a:t>
+            </a:r>
+            <a:r>
+              <a:rPr lang="de-DE" sz="1000">
+                <a:solidFill>
+                  <a:srgbClr val="4A86E8"/>
+                </a:solidFill>
+                <a:latin typeface="Open Sans"/>
+                <a:ea typeface="Open Sans"/>
+                <a:cs typeface="Open Sans"/>
+                <a:sym typeface="Open Sans"/>
+              </a:rPr>
+              <a:t> </a:t>
+            </a:r>
+            <a:r>
+              <a:rPr lang="de-DE" sz="1000" err="1">
+                <a:solidFill>
+                  <a:srgbClr val="4A86E8"/>
+                </a:solidFill>
+                <a:latin typeface="Open Sans"/>
+                <a:ea typeface="Open Sans"/>
+                <a:cs typeface="Open Sans"/>
+                <a:sym typeface="Open Sans"/>
+              </a:rPr>
+              <a:t>transfer</a:t>
+            </a:r>
+            <a:r>
+              <a:rPr lang="de-DE" sz="1000">
+                <a:solidFill>
+                  <a:srgbClr val="4A86E8"/>
+                </a:solidFill>
+                <a:latin typeface="Open Sans"/>
+                <a:ea typeface="Open Sans"/>
+                <a:cs typeface="Open Sans"/>
+                <a:sym typeface="Open Sans"/>
+              </a:rPr>
+              <a:t> </a:t>
+            </a:r>
+            <a:r>
+              <a:rPr lang="de-DE" sz="1000" err="1">
+                <a:solidFill>
+                  <a:srgbClr val="4A86E8"/>
+                </a:solidFill>
+                <a:latin typeface="Open Sans"/>
+                <a:ea typeface="Open Sans"/>
+                <a:cs typeface="Open Sans"/>
+                <a:sym typeface="Open Sans"/>
+              </a:rPr>
+              <a:t>has</a:t>
+            </a:r>
+            <a:r>
+              <a:rPr lang="de-DE" sz="1000">
+                <a:solidFill>
+                  <a:srgbClr val="4A86E8"/>
+                </a:solidFill>
+                <a:latin typeface="Open Sans"/>
+                <a:ea typeface="Open Sans"/>
+                <a:cs typeface="Open Sans"/>
+                <a:sym typeface="Open Sans"/>
+              </a:rPr>
+              <a:t> </a:t>
+            </a:r>
+            <a:r>
+              <a:rPr lang="de-DE" sz="1000" err="1">
+                <a:solidFill>
+                  <a:srgbClr val="4A86E8"/>
+                </a:solidFill>
+                <a:latin typeface="Open Sans"/>
+                <a:ea typeface="Open Sans"/>
+                <a:cs typeface="Open Sans"/>
+                <a:sym typeface="Open Sans"/>
+              </a:rPr>
+              <a:t>to</a:t>
+            </a:r>
+            <a:r>
+              <a:rPr lang="de-DE" sz="1000">
+                <a:solidFill>
+                  <a:srgbClr val="4A86E8"/>
+                </a:solidFill>
+                <a:latin typeface="Open Sans"/>
+                <a:ea typeface="Open Sans"/>
+                <a:cs typeface="Open Sans"/>
+                <a:sym typeface="Open Sans"/>
+              </a:rPr>
+              <a:t> </a:t>
+            </a:r>
+            <a:r>
+              <a:rPr lang="de-DE" sz="1000" err="1">
+                <a:solidFill>
+                  <a:srgbClr val="4A86E8"/>
+                </a:solidFill>
+                <a:latin typeface="Open Sans"/>
+                <a:ea typeface="Open Sans"/>
+                <a:cs typeface="Open Sans"/>
+                <a:sym typeface="Open Sans"/>
+              </a:rPr>
+              <a:t>work</a:t>
+            </a:r>
+            <a:r>
+              <a:rPr lang="de-DE" sz="1000">
+                <a:solidFill>
+                  <a:srgbClr val="4A86E8"/>
+                </a:solidFill>
+                <a:latin typeface="Open Sans"/>
+                <a:ea typeface="Open Sans"/>
+                <a:cs typeface="Open Sans"/>
+                <a:sym typeface="Open Sans"/>
+              </a:rPr>
+              <a:t> (</a:t>
+            </a:r>
+            <a:r>
+              <a:rPr lang="de-DE" sz="1000" err="1">
+                <a:solidFill>
+                  <a:srgbClr val="4A86E8"/>
+                </a:solidFill>
+                <a:latin typeface="Open Sans"/>
+                <a:ea typeface="Open Sans"/>
+                <a:cs typeface="Open Sans"/>
+                <a:sym typeface="Open Sans"/>
+              </a:rPr>
+              <a:t>use</a:t>
+            </a:r>
+            <a:r>
+              <a:rPr lang="de-DE" sz="1000">
+                <a:solidFill>
+                  <a:srgbClr val="4A86E8"/>
+                </a:solidFill>
+                <a:latin typeface="Open Sans"/>
+                <a:ea typeface="Open Sans"/>
+                <a:cs typeface="Open Sans"/>
+                <a:sym typeface="Open Sans"/>
+              </a:rPr>
+              <a:t> </a:t>
+            </a:r>
+            <a:r>
+              <a:rPr lang="de-DE" sz="1000" err="1">
+                <a:solidFill>
+                  <a:srgbClr val="4A86E8"/>
+                </a:solidFill>
+                <a:latin typeface="Open Sans"/>
+                <a:ea typeface="Open Sans"/>
+                <a:cs typeface="Open Sans"/>
+                <a:sym typeface="Open Sans"/>
+              </a:rPr>
+              <a:t>dummy</a:t>
+            </a:r>
+            <a:r>
+              <a:rPr lang="de-DE" sz="1000">
+                <a:solidFill>
+                  <a:srgbClr val="4A86E8"/>
+                </a:solidFill>
+                <a:latin typeface="Open Sans"/>
+                <a:ea typeface="Open Sans"/>
+                <a:cs typeface="Open Sans"/>
+                <a:sym typeface="Open Sans"/>
+              </a:rPr>
+              <a:t> </a:t>
+            </a:r>
+            <a:r>
+              <a:rPr lang="de-DE" sz="1000" err="1">
+                <a:solidFill>
+                  <a:srgbClr val="4A86E8"/>
+                </a:solidFill>
+                <a:latin typeface="Open Sans"/>
+                <a:ea typeface="Open Sans"/>
+                <a:cs typeface="Open Sans"/>
+                <a:sym typeface="Open Sans"/>
+              </a:rPr>
+              <a:t>data</a:t>
+            </a:r>
+            <a:r>
+              <a:rPr lang="de-DE" sz="1000">
+                <a:solidFill>
+                  <a:srgbClr val="4A86E8"/>
+                </a:solidFill>
+                <a:latin typeface="Open Sans"/>
+                <a:ea typeface="Open Sans"/>
+                <a:cs typeface="Open Sans"/>
+                <a:sym typeface="Open Sans"/>
+              </a:rPr>
+              <a:t> </a:t>
+            </a:r>
+            <a:r>
+              <a:rPr lang="de-DE" sz="1000" err="1">
+                <a:solidFill>
+                  <a:srgbClr val="4A86E8"/>
+                </a:solidFill>
+                <a:latin typeface="Open Sans"/>
+                <a:ea typeface="Open Sans"/>
+                <a:cs typeface="Open Sans"/>
+                <a:sym typeface="Open Sans"/>
+              </a:rPr>
+              <a:t>file</a:t>
+            </a:r>
+            <a:r>
+              <a:rPr lang="de-DE" sz="1000">
+                <a:solidFill>
+                  <a:srgbClr val="4A86E8"/>
+                </a:solidFill>
+                <a:latin typeface="Open Sans"/>
+                <a:ea typeface="Open Sans"/>
+                <a:cs typeface="Open Sans"/>
+                <a:sym typeface="Open Sans"/>
+              </a:rPr>
+              <a:t> </a:t>
+            </a:r>
+            <a:r>
+              <a:rPr lang="de-DE" sz="1000" err="1">
+                <a:solidFill>
+                  <a:srgbClr val="4A86E8"/>
+                </a:solidFill>
+                <a:latin typeface="Open Sans"/>
+                <a:ea typeface="Open Sans"/>
+                <a:cs typeface="Open Sans"/>
+                <a:sym typeface="Open Sans"/>
+              </a:rPr>
+              <a:t>for</a:t>
+            </a:r>
+            <a:r>
+              <a:rPr lang="de-DE" sz="1000">
+                <a:solidFill>
+                  <a:srgbClr val="4A86E8"/>
+                </a:solidFill>
+                <a:latin typeface="Open Sans"/>
+                <a:ea typeface="Open Sans"/>
+                <a:cs typeface="Open Sans"/>
+                <a:sym typeface="Open Sans"/>
+              </a:rPr>
+              <a:t> </a:t>
+            </a:r>
+            <a:r>
+              <a:rPr lang="de-DE" sz="1000" err="1">
+                <a:solidFill>
+                  <a:srgbClr val="4A86E8"/>
+                </a:solidFill>
+                <a:latin typeface="Open Sans"/>
+                <a:ea typeface="Open Sans"/>
+                <a:cs typeface="Open Sans"/>
+                <a:sym typeface="Open Sans"/>
+              </a:rPr>
+              <a:t>testing</a:t>
+            </a:r>
+            <a:r>
+              <a:rPr lang="de-DE" sz="1000">
+                <a:solidFill>
+                  <a:srgbClr val="4A86E8"/>
+                </a:solidFill>
+                <a:latin typeface="Open Sans"/>
+                <a:ea typeface="Open Sans"/>
+                <a:cs typeface="Open Sans"/>
+                <a:sym typeface="Open Sans"/>
+              </a:rPr>
+              <a:t>). Maybe </a:t>
+            </a:r>
+            <a:r>
+              <a:rPr lang="de-DE" sz="1000" err="1">
+                <a:solidFill>
+                  <a:srgbClr val="4A86E8"/>
+                </a:solidFill>
+                <a:latin typeface="Open Sans"/>
+                <a:ea typeface="Open Sans"/>
+                <a:cs typeface="Open Sans"/>
+                <a:sym typeface="Open Sans"/>
+              </a:rPr>
+              <a:t>test</a:t>
+            </a:r>
+            <a:r>
+              <a:rPr lang="de-DE" sz="1000">
+                <a:solidFill>
+                  <a:srgbClr val="4A86E8"/>
+                </a:solidFill>
+                <a:latin typeface="Open Sans"/>
+                <a:ea typeface="Open Sans"/>
+                <a:cs typeface="Open Sans"/>
+                <a:sym typeface="Open Sans"/>
+              </a:rPr>
+              <a:t> </a:t>
+            </a:r>
+            <a:r>
+              <a:rPr lang="de-DE" sz="1000" err="1">
+                <a:solidFill>
+                  <a:srgbClr val="4A86E8"/>
+                </a:solidFill>
+                <a:latin typeface="Open Sans"/>
+                <a:ea typeface="Open Sans"/>
+                <a:cs typeface="Open Sans"/>
+                <a:sym typeface="Open Sans"/>
+              </a:rPr>
+              <a:t>transmission</a:t>
+            </a:r>
+            <a:r>
+              <a:rPr lang="de-DE" sz="1000">
+                <a:solidFill>
+                  <a:srgbClr val="4A86E8"/>
+                </a:solidFill>
+                <a:latin typeface="Open Sans"/>
+                <a:ea typeface="Open Sans"/>
+                <a:cs typeface="Open Sans"/>
+                <a:sym typeface="Open Sans"/>
+              </a:rPr>
+              <a:t> </a:t>
+            </a:r>
+            <a:r>
+              <a:rPr lang="de-DE" sz="1000" err="1">
+                <a:solidFill>
+                  <a:srgbClr val="4A86E8"/>
+                </a:solidFill>
+                <a:latin typeface="Open Sans"/>
+                <a:ea typeface="Open Sans"/>
+                <a:cs typeface="Open Sans"/>
+                <a:sym typeface="Open Sans"/>
+              </a:rPr>
+              <a:t>speed</a:t>
+            </a:r>
+            <a:r>
+              <a:rPr lang="de-DE" sz="1000">
+                <a:solidFill>
+                  <a:srgbClr val="4A86E8"/>
+                </a:solidFill>
+                <a:latin typeface="Open Sans"/>
+                <a:ea typeface="Open Sans"/>
+                <a:cs typeface="Open Sans"/>
+                <a:sym typeface="Open Sans"/>
+              </a:rPr>
+              <a:t> /</a:t>
+            </a:r>
+            <a:r>
+              <a:rPr lang="de-DE" sz="1000" err="1">
+                <a:solidFill>
+                  <a:srgbClr val="4A86E8"/>
+                </a:solidFill>
+                <a:latin typeface="Open Sans"/>
+                <a:ea typeface="Open Sans"/>
+                <a:cs typeface="Open Sans"/>
+                <a:sym typeface="Open Sans"/>
+              </a:rPr>
+              <a:t>bandwidth</a:t>
+            </a:r>
+            <a:endParaRPr lang="nl-NL" sz="1000" err="1">
               <a:solidFill>
                 <a:srgbClr val="4A86E8"/>
               </a:solidFill>
               <a:latin typeface="Open Sans"/>
               <a:ea typeface="Open Sans"/>
               <a:cs typeface="Open Sans"/>
-              <a:sym typeface="Open Sans"/>
             </a:endParaRPr>
           </a:p>
         </p:txBody>
@@ -6079,7 +6527,7 @@
               <a:buNone/>
             </a:pPr>
             <a:r>
-              <a:rPr lang="de-DE" sz="1200" dirty="0">
+              <a:rPr lang="de-DE" sz="1200">
                 <a:solidFill>
                   <a:srgbClr val="4A86E8"/>
                 </a:solidFill>
@@ -6102,7 +6550,7 @@
               <a:buNone/>
             </a:pPr>
             <a:r>
-              <a:rPr lang="de-DE" sz="1200" dirty="0">
+              <a:rPr lang="de-DE" sz="1200">
                 <a:solidFill>
                   <a:srgbClr val="4A86E8"/>
                 </a:solidFill>
@@ -6125,7 +6573,7 @@
               <a:buNone/>
             </a:pPr>
             <a:r>
-              <a:rPr lang="de-DE" sz="1200" dirty="0">
+              <a:rPr lang="de-DE" sz="1200">
                 <a:solidFill>
                   <a:srgbClr val="4A86E8"/>
                 </a:solidFill>
@@ -6134,29 +6582,8 @@
                 <a:cs typeface="Open Sans"/>
                 <a:sym typeface="Open Sans"/>
               </a:rPr>
-              <a:t>Rasperry Pi, SD</a:t>
-            </a:r>
-            <a:r>
-              <a:rPr lang="de-DE" sz="1200">
-                <a:solidFill>
-                  <a:srgbClr val="4A86E8"/>
-                </a:solidFill>
-                <a:latin typeface="Open Sans"/>
-                <a:ea typeface="Open Sans"/>
-                <a:cs typeface="Open Sans"/>
-                <a:sym typeface="Open Sans"/>
-              </a:rPr>
-              <a:t>, Software, Screen</a:t>
-            </a:r>
-            <a:endParaRPr lang="de-DE" sz="1200" dirty="0">
-              <a:solidFill>
-                <a:srgbClr val="4A86E8"/>
-              </a:solidFill>
-              <a:latin typeface="Open Sans"/>
-              <a:ea typeface="Open Sans"/>
-              <a:cs typeface="Open Sans"/>
-              <a:sym typeface="Open Sans"/>
-            </a:endParaRPr>
+              <a:t>Rasperry Pi, SD, Software, Screen</a:t>
+            </a:r>
           </a:p>
         </p:txBody>
       </p:sp>
@@ -6185,24 +6612,392 @@
           </a:bodyPr>
           <a:lstStyle/>
           <a:p>
-            <a:pPr marL="0" lvl="0" indent="0" algn="l" rtl="0">
-              <a:spcBef>
-                <a:spcPts val="0"/>
-              </a:spcBef>
-              <a:spcAft>
-                <a:spcPts val="0"/>
-              </a:spcAft>
-              <a:buNone/>
-            </a:pPr>
-            <a:endParaRPr sz="1200" dirty="0">
+            <a:r>
+              <a:rPr lang="nl-NL" sz="1200" err="1">
+                <a:solidFill>
+                  <a:srgbClr val="4A86E8"/>
+                </a:solidFill>
+                <a:latin typeface="Open Sans"/>
+                <a:ea typeface="Open Sans"/>
+                <a:cs typeface="Open Sans"/>
+              </a:rPr>
+              <a:t>You</a:t>
+            </a:r>
+            <a:r>
+              <a:rPr lang="nl-NL" sz="1200">
+                <a:solidFill>
+                  <a:srgbClr val="4A86E8"/>
+                </a:solidFill>
+                <a:latin typeface="Open Sans"/>
+                <a:ea typeface="Open Sans"/>
+                <a:cs typeface="Open Sans"/>
+              </a:rPr>
+              <a:t> </a:t>
+            </a:r>
+            <a:r>
+              <a:rPr lang="nl-NL" sz="1200" err="1">
+                <a:solidFill>
+                  <a:srgbClr val="4A86E8"/>
+                </a:solidFill>
+                <a:latin typeface="Open Sans"/>
+                <a:ea typeface="Open Sans"/>
+                <a:cs typeface="Open Sans"/>
+              </a:rPr>
+              <a:t>shall</a:t>
+            </a:r>
+            <a:r>
+              <a:rPr lang="nl-NL" sz="1200">
+                <a:solidFill>
+                  <a:srgbClr val="4A86E8"/>
+                </a:solidFill>
+                <a:latin typeface="Open Sans"/>
+                <a:ea typeface="Open Sans"/>
+                <a:cs typeface="Open Sans"/>
+              </a:rPr>
+              <a:t> </a:t>
+            </a:r>
+            <a:r>
+              <a:rPr lang="nl-NL" sz="1200" err="1">
+                <a:solidFill>
+                  <a:srgbClr val="4A86E8"/>
+                </a:solidFill>
+                <a:latin typeface="Open Sans"/>
+                <a:ea typeface="Open Sans"/>
+                <a:cs typeface="Open Sans"/>
+              </a:rPr>
+              <a:t>not</a:t>
+            </a:r>
+            <a:r>
+              <a:rPr lang="nl-NL" sz="1200">
+                <a:solidFill>
+                  <a:srgbClr val="4A86E8"/>
+                </a:solidFill>
+                <a:latin typeface="Open Sans"/>
+                <a:ea typeface="Open Sans"/>
+                <a:cs typeface="Open Sans"/>
+              </a:rPr>
+              <a:t> </a:t>
+            </a:r>
+            <a:r>
+              <a:rPr lang="nl-NL" sz="1200" err="1">
+                <a:solidFill>
+                  <a:srgbClr val="4A86E8"/>
+                </a:solidFill>
+                <a:latin typeface="Open Sans"/>
+                <a:ea typeface="Open Sans"/>
+                <a:cs typeface="Open Sans"/>
+              </a:rPr>
+              <a:t>worry</a:t>
+            </a:r>
+            <a:r>
+              <a:rPr lang="nl-NL" sz="1200">
+                <a:solidFill>
+                  <a:srgbClr val="4A86E8"/>
+                </a:solidFill>
+                <a:latin typeface="Open Sans"/>
+                <a:ea typeface="Open Sans"/>
+                <a:cs typeface="Open Sans"/>
+              </a:rPr>
+              <a:t> </a:t>
+            </a:r>
+            <a:r>
+              <a:rPr lang="nl-NL" sz="1200" err="1">
+                <a:solidFill>
+                  <a:srgbClr val="4A86E8"/>
+                </a:solidFill>
+                <a:latin typeface="Open Sans"/>
+                <a:ea typeface="Open Sans"/>
+                <a:cs typeface="Open Sans"/>
+              </a:rPr>
+              <a:t>about</a:t>
+            </a:r>
+            <a:r>
+              <a:rPr lang="nl-NL" sz="1200">
+                <a:solidFill>
+                  <a:srgbClr val="4A86E8"/>
+                </a:solidFill>
+                <a:latin typeface="Open Sans"/>
+                <a:ea typeface="Open Sans"/>
+                <a:cs typeface="Open Sans"/>
+              </a:rPr>
+              <a:t> transferring </a:t>
+            </a:r>
+            <a:r>
+              <a:rPr lang="nl-NL" sz="1200" err="1">
+                <a:solidFill>
+                  <a:srgbClr val="4A86E8"/>
+                </a:solidFill>
+                <a:latin typeface="Open Sans"/>
+                <a:ea typeface="Open Sans"/>
+                <a:cs typeface="Open Sans"/>
+              </a:rPr>
+              <a:t>and</a:t>
+            </a:r>
+            <a:r>
+              <a:rPr lang="nl-NL" sz="1200">
+                <a:solidFill>
+                  <a:srgbClr val="4A86E8"/>
+                </a:solidFill>
+                <a:latin typeface="Open Sans"/>
+                <a:ea typeface="Open Sans"/>
+                <a:cs typeface="Open Sans"/>
+              </a:rPr>
+              <a:t> </a:t>
+            </a:r>
+            <a:r>
+              <a:rPr lang="nl-NL" sz="1200" err="1">
+                <a:solidFill>
+                  <a:srgbClr val="4A86E8"/>
+                </a:solidFill>
+                <a:latin typeface="Open Sans"/>
+                <a:ea typeface="Open Sans"/>
+                <a:cs typeface="Open Sans"/>
+              </a:rPr>
+              <a:t>saving</a:t>
+            </a:r>
+            <a:r>
+              <a:rPr lang="nl-NL" sz="1200">
+                <a:solidFill>
+                  <a:srgbClr val="4A86E8"/>
+                </a:solidFill>
+                <a:latin typeface="Open Sans"/>
+                <a:ea typeface="Open Sans"/>
+                <a:cs typeface="Open Sans"/>
+              </a:rPr>
+              <a:t> data (in </a:t>
+            </a:r>
+            <a:r>
+              <a:rPr lang="nl-NL" sz="1200" err="1">
+                <a:solidFill>
+                  <a:srgbClr val="4A86E8"/>
+                </a:solidFill>
+                <a:latin typeface="Open Sans"/>
+                <a:ea typeface="Open Sans"/>
+                <a:cs typeface="Open Sans"/>
+              </a:rPr>
+              <a:t>combination</a:t>
+            </a:r>
+            <a:r>
+              <a:rPr lang="nl-NL" sz="1200">
+                <a:solidFill>
+                  <a:srgbClr val="4A86E8"/>
+                </a:solidFill>
+                <a:latin typeface="Open Sans"/>
+                <a:ea typeface="Open Sans"/>
+                <a:cs typeface="Open Sans"/>
+              </a:rPr>
+              <a:t> </a:t>
+            </a:r>
+            <a:r>
+              <a:rPr lang="nl-NL" sz="1200" err="1">
+                <a:solidFill>
+                  <a:srgbClr val="4A86E8"/>
+                </a:solidFill>
+                <a:latin typeface="Open Sans"/>
+                <a:ea typeface="Open Sans"/>
+                <a:cs typeface="Open Sans"/>
+              </a:rPr>
+              <a:t>with</a:t>
+            </a:r>
+            <a:r>
+              <a:rPr lang="nl-NL" sz="1200">
+                <a:solidFill>
+                  <a:srgbClr val="4A86E8"/>
+                </a:solidFill>
+                <a:latin typeface="Open Sans"/>
+                <a:ea typeface="Open Sans"/>
+                <a:cs typeface="Open Sans"/>
+              </a:rPr>
+              <a:t> software </a:t>
+            </a:r>
+            <a:r>
+              <a:rPr lang="nl-NL" sz="1200" err="1">
+                <a:solidFill>
+                  <a:srgbClr val="4A86E8"/>
+                </a:solidFill>
+                <a:latin typeface="Open Sans"/>
+                <a:ea typeface="Open Sans"/>
+                <a:cs typeface="Open Sans"/>
+              </a:rPr>
+              <a:t>group</a:t>
+            </a:r>
+            <a:r>
+              <a:rPr lang="nl-NL" sz="1200">
+                <a:solidFill>
+                  <a:srgbClr val="4A86E8"/>
+                </a:solidFill>
+                <a:latin typeface="Open Sans"/>
+                <a:ea typeface="Open Sans"/>
+                <a:cs typeface="Open Sans"/>
+              </a:rPr>
+              <a:t> </a:t>
+            </a:r>
+            <a:r>
+              <a:rPr lang="nl-NL" sz="1200" err="1">
+                <a:solidFill>
+                  <a:srgbClr val="4A86E8"/>
+                </a:solidFill>
+                <a:latin typeface="Open Sans"/>
+                <a:ea typeface="Open Sans"/>
+                <a:cs typeface="Open Sans"/>
+              </a:rPr>
+              <a:t>that</a:t>
+            </a:r>
+            <a:r>
+              <a:rPr lang="nl-NL" sz="1200">
+                <a:solidFill>
+                  <a:srgbClr val="4A86E8"/>
+                </a:solidFill>
+                <a:latin typeface="Open Sans"/>
+                <a:ea typeface="Open Sans"/>
+                <a:cs typeface="Open Sans"/>
+              </a:rPr>
+              <a:t> is).</a:t>
+            </a:r>
+          </a:p>
+          <a:p>
+            <a:endParaRPr lang="nl-NL" sz="1200">
               <a:solidFill>
                 <a:srgbClr val="4A86E8"/>
               </a:solidFill>
               <a:latin typeface="Open Sans"/>
               <a:ea typeface="Open Sans"/>
               <a:cs typeface="Open Sans"/>
-              <a:sym typeface="Open Sans"/>
             </a:endParaRPr>
+          </a:p>
+          <a:p>
+            <a:r>
+              <a:rPr lang="nl-NL" sz="1200" err="1">
+                <a:solidFill>
+                  <a:srgbClr val="4A86E8"/>
+                </a:solidFill>
+                <a:latin typeface="Open Sans"/>
+                <a:ea typeface="Open Sans"/>
+                <a:cs typeface="Open Sans"/>
+              </a:rPr>
+              <a:t>Collecting</a:t>
+            </a:r>
+            <a:r>
+              <a:rPr lang="nl-NL" sz="1200">
+                <a:solidFill>
+                  <a:srgbClr val="4A86E8"/>
+                </a:solidFill>
+                <a:latin typeface="Open Sans"/>
+                <a:ea typeface="Open Sans"/>
+                <a:cs typeface="Open Sans"/>
+              </a:rPr>
+              <a:t> input </a:t>
+            </a:r>
+            <a:r>
+              <a:rPr lang="nl-NL" sz="1200" err="1">
+                <a:solidFill>
+                  <a:srgbClr val="4A86E8"/>
+                </a:solidFill>
+                <a:latin typeface="Open Sans"/>
+                <a:ea typeface="Open Sans"/>
+                <a:cs typeface="Open Sans"/>
+              </a:rPr>
+              <a:t>and</a:t>
+            </a:r>
+            <a:r>
+              <a:rPr lang="nl-NL" sz="1200">
+                <a:solidFill>
+                  <a:srgbClr val="4A86E8"/>
+                </a:solidFill>
+                <a:latin typeface="Open Sans"/>
+                <a:ea typeface="Open Sans"/>
+                <a:cs typeface="Open Sans"/>
+              </a:rPr>
+              <a:t> output </a:t>
+            </a:r>
+            <a:r>
+              <a:rPr lang="nl-NL" sz="1200" err="1">
+                <a:solidFill>
+                  <a:srgbClr val="4A86E8"/>
+                </a:solidFill>
+                <a:latin typeface="Open Sans"/>
+                <a:ea typeface="Open Sans"/>
+                <a:cs typeface="Open Sans"/>
+              </a:rPr>
+              <a:t>ideas</a:t>
+            </a:r>
+            <a:r>
+              <a:rPr lang="nl-NL" sz="1200">
+                <a:solidFill>
+                  <a:srgbClr val="4A86E8"/>
+                </a:solidFill>
+                <a:latin typeface="Open Sans"/>
+                <a:ea typeface="Open Sans"/>
+                <a:cs typeface="Open Sans"/>
+              </a:rPr>
+              <a:t> of </a:t>
+            </a:r>
+            <a:r>
+              <a:rPr lang="nl-NL" sz="1200" err="1">
+                <a:solidFill>
+                  <a:srgbClr val="4A86E8"/>
+                </a:solidFill>
+                <a:latin typeface="Open Sans"/>
+                <a:ea typeface="Open Sans"/>
+                <a:cs typeface="Open Sans"/>
+              </a:rPr>
+              <a:t>other</a:t>
+            </a:r>
+            <a:r>
+              <a:rPr lang="nl-NL" sz="1200">
+                <a:solidFill>
+                  <a:srgbClr val="4A86E8"/>
+                </a:solidFill>
+                <a:latin typeface="Open Sans"/>
+                <a:ea typeface="Open Sans"/>
+                <a:cs typeface="Open Sans"/>
+              </a:rPr>
+              <a:t> </a:t>
+            </a:r>
+            <a:r>
+              <a:rPr lang="nl-NL" sz="1200" err="1">
+                <a:solidFill>
+                  <a:srgbClr val="4A86E8"/>
+                </a:solidFill>
+                <a:latin typeface="Open Sans"/>
+                <a:ea typeface="Open Sans"/>
+                <a:cs typeface="Open Sans"/>
+              </a:rPr>
+              <a:t>groups</a:t>
+            </a:r>
+            <a:r>
+              <a:rPr lang="nl-NL" sz="1200">
+                <a:solidFill>
+                  <a:srgbClr val="4A86E8"/>
+                </a:solidFill>
+                <a:latin typeface="Open Sans"/>
+                <a:ea typeface="Open Sans"/>
+                <a:cs typeface="Open Sans"/>
+              </a:rPr>
+              <a:t> </a:t>
+            </a:r>
+            <a:r>
+              <a:rPr lang="nl-NL" sz="1200" err="1">
+                <a:solidFill>
+                  <a:srgbClr val="4A86E8"/>
+                </a:solidFill>
+                <a:latin typeface="Open Sans"/>
+                <a:ea typeface="Open Sans"/>
+                <a:cs typeface="Open Sans"/>
+              </a:rPr>
+              <a:t>and</a:t>
+            </a:r>
+            <a:r>
+              <a:rPr lang="nl-NL" sz="1200">
+                <a:solidFill>
+                  <a:srgbClr val="4A86E8"/>
+                </a:solidFill>
+                <a:latin typeface="Open Sans"/>
+                <a:ea typeface="Open Sans"/>
+                <a:cs typeface="Open Sans"/>
+              </a:rPr>
+              <a:t> make them compatible</a:t>
+            </a:r>
           </a:p>
         </p:txBody>
       </p:sp>
@@ -6231,24 +7026,60 @@
           </a:bodyPr>
           <a:lstStyle/>
           <a:p>
-            <a:pPr marL="0" lvl="0" indent="0" algn="l" rtl="0">
-              <a:spcBef>
-                <a:spcPts val="0"/>
-              </a:spcBef>
-              <a:spcAft>
-                <a:spcPts val="0"/>
-              </a:spcAft>
-              <a:buNone/>
-            </a:pPr>
-            <a:endParaRPr sz="1200" dirty="0">
+            <a:r>
+              <a:rPr lang="nl-NL" sz="1200">
+                <a:solidFill>
+                  <a:srgbClr val="4A86E8"/>
+                </a:solidFill>
+                <a:latin typeface="Open Sans"/>
+                <a:ea typeface="Open Sans"/>
+                <a:cs typeface="Open Sans"/>
+              </a:rPr>
+              <a:t>-Software </a:t>
+            </a:r>
+            <a:r>
+              <a:rPr lang="nl-NL" sz="1200" err="1">
+                <a:solidFill>
+                  <a:srgbClr val="4A86E8"/>
+                </a:solidFill>
+                <a:latin typeface="Open Sans"/>
+                <a:ea typeface="Open Sans"/>
+                <a:cs typeface="Open Sans"/>
+              </a:rPr>
+              <a:t>group</a:t>
+            </a:r>
+            <a:endParaRPr lang="nl-NL" sz="1200">
               <a:solidFill>
                 <a:srgbClr val="4A86E8"/>
               </a:solidFill>
               <a:latin typeface="Open Sans"/>
               <a:ea typeface="Open Sans"/>
               <a:cs typeface="Open Sans"/>
-              <a:sym typeface="Open Sans"/>
             </a:endParaRPr>
+          </a:p>
+          <a:p>
+            <a:r>
+              <a:rPr lang="nl-NL" sz="1200">
+                <a:solidFill>
+                  <a:srgbClr val="4A86E8"/>
+                </a:solidFill>
+                <a:latin typeface="Open Sans"/>
+                <a:ea typeface="Open Sans"/>
+                <a:cs typeface="Open Sans"/>
+              </a:rPr>
+              <a:t>-</a:t>
+            </a:r>
+            <a:r>
+              <a:rPr lang="nl-NL" sz="1200" err="1">
+                <a:solidFill>
+                  <a:srgbClr val="4A86E8"/>
+                </a:solidFill>
+                <a:latin typeface="Open Sans"/>
+                <a:ea typeface="Open Sans"/>
+                <a:cs typeface="Open Sans"/>
+              </a:rPr>
+              <a:t>Experimentalists</a:t>
+            </a:r>
           </a:p>
         </p:txBody>
       </p:sp>
@@ -6277,16 +7108,128 @@
           </a:bodyPr>
           <a:lstStyle/>
           <a:p>
-            <a:pPr marL="0" lvl="0" indent="0" algn="l" rtl="0">
-              <a:spcBef>
-                <a:spcPts val="0"/>
-              </a:spcBef>
-              <a:spcAft>
-                <a:spcPts val="0"/>
-              </a:spcAft>
-              <a:buNone/>
-            </a:pPr>
-            <a:endParaRPr sz="1200" dirty="0">
+            <a:r>
+              <a:rPr lang="nl-NL" sz="1200">
+                <a:solidFill>
+                  <a:srgbClr val="4A86E8"/>
+                </a:solidFill>
+                <a:latin typeface="Open Sans"/>
+                <a:ea typeface="Open Sans"/>
+                <a:cs typeface="Open Sans"/>
+              </a:rPr>
+              <a:t>-</a:t>
+            </a:r>
+            <a:r>
+              <a:rPr lang="nl-NL" sz="1200" err="1">
+                <a:solidFill>
+                  <a:srgbClr val="4A86E8"/>
+                </a:solidFill>
+                <a:latin typeface="Open Sans"/>
+                <a:ea typeface="Open Sans"/>
+                <a:cs typeface="Open Sans"/>
+              </a:rPr>
+              <a:t>Discuss</a:t>
+            </a:r>
+            <a:r>
+              <a:rPr lang="nl-NL" sz="1200">
+                <a:solidFill>
+                  <a:srgbClr val="4A86E8"/>
+                </a:solidFill>
+                <a:latin typeface="Open Sans"/>
+                <a:ea typeface="Open Sans"/>
+                <a:cs typeface="Open Sans"/>
+              </a:rPr>
+              <a:t> </a:t>
+            </a:r>
+            <a:r>
+              <a:rPr lang="nl-NL" sz="1200" err="1">
+                <a:solidFill>
+                  <a:srgbClr val="4A86E8"/>
+                </a:solidFill>
+                <a:latin typeface="Open Sans"/>
+                <a:ea typeface="Open Sans"/>
+                <a:cs typeface="Open Sans"/>
+              </a:rPr>
+              <a:t>with</a:t>
+            </a:r>
+            <a:r>
+              <a:rPr lang="nl-NL" sz="1200">
+                <a:solidFill>
+                  <a:srgbClr val="4A86E8"/>
+                </a:solidFill>
+                <a:latin typeface="Open Sans"/>
+                <a:ea typeface="Open Sans"/>
+                <a:cs typeface="Open Sans"/>
+              </a:rPr>
+              <a:t> software </a:t>
+            </a:r>
+            <a:r>
+              <a:rPr lang="nl-NL" sz="1200" err="1">
+                <a:solidFill>
+                  <a:srgbClr val="4A86E8"/>
+                </a:solidFill>
+                <a:latin typeface="Open Sans"/>
+                <a:ea typeface="Open Sans"/>
+                <a:cs typeface="Open Sans"/>
+              </a:rPr>
+              <a:t>group</a:t>
+            </a:r>
+            <a:r>
+              <a:rPr lang="nl-NL" sz="1200">
+                <a:solidFill>
+                  <a:srgbClr val="4A86E8"/>
+                </a:solidFill>
+                <a:latin typeface="Open Sans"/>
+                <a:ea typeface="Open Sans"/>
+                <a:cs typeface="Open Sans"/>
+              </a:rPr>
+              <a:t> </a:t>
+            </a:r>
+            <a:r>
+              <a:rPr lang="nl-NL" sz="1200" err="1">
+                <a:solidFill>
+                  <a:srgbClr val="4A86E8"/>
+                </a:solidFill>
+                <a:latin typeface="Open Sans"/>
+                <a:ea typeface="Open Sans"/>
+                <a:cs typeface="Open Sans"/>
+              </a:rPr>
+              <a:t>for</a:t>
+            </a:r>
+            <a:r>
+              <a:rPr lang="nl-NL" sz="1200">
+                <a:solidFill>
+                  <a:srgbClr val="4A86E8"/>
+                </a:solidFill>
+                <a:latin typeface="Open Sans"/>
+                <a:ea typeface="Open Sans"/>
+                <a:cs typeface="Open Sans"/>
+              </a:rPr>
+              <a:t> hardware </a:t>
+            </a:r>
+            <a:r>
+              <a:rPr lang="nl-NL" sz="1200" err="1">
+                <a:solidFill>
+                  <a:srgbClr val="4A86E8"/>
+                </a:solidFill>
+                <a:latin typeface="Open Sans"/>
+                <a:ea typeface="Open Sans"/>
+                <a:cs typeface="Open Sans"/>
+              </a:rPr>
+              <a:t>reqs</a:t>
+            </a:r>
+            <a:r>
+              <a:rPr lang="nl-NL" sz="1200">
+                <a:solidFill>
+                  <a:srgbClr val="4A86E8"/>
+                </a:solidFill>
+                <a:latin typeface="Open Sans"/>
+                <a:ea typeface="Open Sans"/>
+                <a:cs typeface="Open Sans"/>
+              </a:rPr>
+              <a:t>.</a:t>
+            </a:r>
+            <a:endParaRPr sz="1200">
               <a:solidFill>
                 <a:srgbClr val="4A86E8"/>
               </a:solidFill>
@@ -6307,7 +7250,7 @@
         <p:spPr>
           <a:xfrm>
             <a:off x="3720350" y="3798775"/>
-            <a:ext cx="2476500" cy="986100"/>
+            <a:ext cx="2476500" cy="895864"/>
           </a:xfrm>
           <a:prstGeom prst="rect">
             <a:avLst/>
@@ -6323,23 +7266,100 @@
           </a:bodyPr>
           <a:lstStyle/>
           <a:p>
-            <a:pPr marL="0" lvl="0" indent="0" algn="l" rtl="0">
-              <a:spcBef>
-                <a:spcPts val="0"/>
-              </a:spcBef>
-              <a:spcAft>
-                <a:spcPts val="0"/>
-              </a:spcAft>
-              <a:buNone/>
-            </a:pPr>
-            <a:endParaRPr sz="1200" dirty="0">
+            <a:r>
+              <a:rPr lang="nl-NL" sz="1200">
+                <a:solidFill>
+                  <a:srgbClr val="4A86E8"/>
+                </a:solidFill>
+                <a:latin typeface="Open Sans"/>
+                <a:ea typeface="Open Sans"/>
+                <a:cs typeface="Open Sans"/>
+              </a:rPr>
+              <a:t>-Power </a:t>
+            </a:r>
+            <a:r>
+              <a:rPr lang="nl-NL" sz="1200" err="1">
+                <a:solidFill>
+                  <a:srgbClr val="4A86E8"/>
+                </a:solidFill>
+                <a:latin typeface="Open Sans"/>
+                <a:ea typeface="Open Sans"/>
+                <a:cs typeface="Open Sans"/>
+              </a:rPr>
+              <a:t>supply</a:t>
+            </a:r>
+            <a:r>
+              <a:rPr lang="nl-NL" sz="1200">
+                <a:solidFill>
+                  <a:srgbClr val="4A86E8"/>
+                </a:solidFill>
+                <a:latin typeface="Open Sans"/>
+                <a:ea typeface="Open Sans"/>
+                <a:cs typeface="Open Sans"/>
+              </a:rPr>
+              <a:t>, box design, environment control </a:t>
+            </a:r>
+            <a:r>
+              <a:rPr lang="nl-NL" sz="1200" err="1">
+                <a:solidFill>
+                  <a:srgbClr val="4A86E8"/>
+                </a:solidFill>
+                <a:latin typeface="Open Sans"/>
+                <a:ea typeface="Open Sans"/>
+                <a:cs typeface="Open Sans"/>
+              </a:rPr>
+              <a:t>groups</a:t>
+            </a:r>
+            <a:endParaRPr lang="nl-NL" sz="1200">
               <a:solidFill>
                 <a:srgbClr val="4A86E8"/>
               </a:solidFill>
               <a:latin typeface="Open Sans"/>
               <a:ea typeface="Open Sans"/>
               <a:cs typeface="Open Sans"/>
-              <a:sym typeface="Open Sans"/>
+            </a:endParaRPr>
+          </a:p>
+          <a:p>
+            <a:r>
+              <a:rPr lang="nl-NL" sz="1200">
+                <a:solidFill>
+                  <a:srgbClr val="4A86E8"/>
+                </a:solidFill>
+                <a:latin typeface="Open Sans"/>
+                <a:ea typeface="Open Sans"/>
+                <a:cs typeface="Open Sans"/>
+              </a:rPr>
+              <a:t>-</a:t>
+            </a:r>
+            <a:r>
+              <a:rPr lang="nl-NL" sz="1200" err="1">
+                <a:solidFill>
+                  <a:srgbClr val="4A86E8"/>
+                </a:solidFill>
+                <a:latin typeface="Open Sans"/>
+                <a:ea typeface="Open Sans"/>
+                <a:cs typeface="Open Sans"/>
+              </a:rPr>
+              <a:t>Experimentalists</a:t>
+            </a:r>
+            <a:r>
+              <a:rPr lang="nl-NL" sz="1200">
+                <a:solidFill>
+                  <a:srgbClr val="4A86E8"/>
+                </a:solidFill>
+                <a:latin typeface="Open Sans"/>
+                <a:ea typeface="Open Sans"/>
+                <a:cs typeface="Open Sans"/>
+              </a:rPr>
+              <a:t> (???)</a:t>
+            </a:r>
+            <a:endParaRPr sz="1200">
+              <a:solidFill>
+                <a:srgbClr val="4A86E8"/>
+              </a:solidFill>
+              <a:latin typeface="Open Sans"/>
+              <a:ea typeface="Open Sans"/>
+              <a:cs typeface="Open Sans"/>
             </a:endParaRPr>
           </a:p>
         </p:txBody>
@@ -6352,7 +7372,7 @@
         </p:nvSpPr>
         <p:spPr>
           <a:xfrm>
-            <a:off x="6120650" y="3798775"/>
+            <a:off x="6120650" y="3746137"/>
             <a:ext cx="1613700" cy="896400"/>
           </a:xfrm>
           <a:prstGeom prst="rect">
@@ -6369,24 +7389,217 @@
           </a:bodyPr>
           <a:lstStyle/>
           <a:p>
-            <a:pPr marL="0" lvl="0" indent="0" algn="l" rtl="0">
-              <a:spcBef>
-                <a:spcPts val="0"/>
-              </a:spcBef>
-              <a:spcAft>
-                <a:spcPts val="0"/>
-              </a:spcAft>
-              <a:buNone/>
-            </a:pPr>
-            <a:endParaRPr sz="1200" dirty="0">
-              <a:solidFill>
-                <a:srgbClr val="4A86E8"/>
-              </a:solidFill>
-              <a:latin typeface="Open Sans"/>
-              <a:ea typeface="Open Sans"/>
-              <a:cs typeface="Open Sans"/>
-              <a:sym typeface="Open Sans"/>
-            </a:endParaRPr>
+            <a:r>
+              <a:rPr lang="nl-NL" sz="1000">
+                <a:solidFill>
+                  <a:srgbClr val="4A86E8"/>
+                </a:solidFill>
+                <a:latin typeface="Open Sans"/>
+                <a:ea typeface="Open Sans"/>
+                <a:cs typeface="Open Sans"/>
+              </a:rPr>
+              <a:t>-</a:t>
+            </a:r>
+            <a:r>
+              <a:rPr lang="nl-NL" sz="1000" err="1">
+                <a:solidFill>
+                  <a:srgbClr val="4A86E8"/>
+                </a:solidFill>
+                <a:latin typeface="Open Sans"/>
+                <a:ea typeface="Open Sans"/>
+                <a:cs typeface="Open Sans"/>
+              </a:rPr>
+              <a:t>Discuss</a:t>
+            </a:r>
+            <a:r>
+              <a:rPr lang="nl-NL" sz="1000">
+                <a:solidFill>
+                  <a:srgbClr val="4A86E8"/>
+                </a:solidFill>
+                <a:latin typeface="Open Sans"/>
+                <a:ea typeface="Open Sans"/>
+                <a:cs typeface="Open Sans"/>
+              </a:rPr>
+              <a:t> </a:t>
+            </a:r>
+            <a:r>
+              <a:rPr lang="nl-NL" sz="1000" err="1">
+                <a:solidFill>
+                  <a:srgbClr val="4A86E8"/>
+                </a:solidFill>
+                <a:latin typeface="Open Sans"/>
+                <a:ea typeface="Open Sans"/>
+                <a:cs typeface="Open Sans"/>
+              </a:rPr>
+              <a:t>with</a:t>
+            </a:r>
+            <a:r>
+              <a:rPr lang="nl-NL" sz="1000">
+                <a:solidFill>
+                  <a:srgbClr val="4A86E8"/>
+                </a:solidFill>
+                <a:latin typeface="Open Sans"/>
+                <a:ea typeface="Open Sans"/>
+                <a:cs typeface="Open Sans"/>
+              </a:rPr>
+              <a:t> relevant </a:t>
+            </a:r>
+            <a:r>
+              <a:rPr lang="nl-NL" sz="1000" err="1">
+                <a:solidFill>
+                  <a:srgbClr val="4A86E8"/>
+                </a:solidFill>
+                <a:latin typeface="Open Sans"/>
+                <a:ea typeface="Open Sans"/>
+                <a:cs typeface="Open Sans"/>
+              </a:rPr>
+              <a:t>groups</a:t>
+            </a:r>
+            <a:r>
+              <a:rPr lang="nl-NL" sz="1000">
+                <a:solidFill>
+                  <a:srgbClr val="4A86E8"/>
+                </a:solidFill>
+                <a:latin typeface="Open Sans"/>
+                <a:ea typeface="Open Sans"/>
+                <a:cs typeface="Open Sans"/>
+              </a:rPr>
+              <a:t>, </a:t>
+            </a:r>
+            <a:r>
+              <a:rPr lang="nl-NL" sz="1000" err="1">
+                <a:solidFill>
+                  <a:srgbClr val="4A86E8"/>
+                </a:solidFill>
+                <a:latin typeface="Open Sans"/>
+                <a:ea typeface="Open Sans"/>
+                <a:cs typeface="Open Sans"/>
+              </a:rPr>
+              <a:t>so</a:t>
+            </a:r>
+            <a:r>
+              <a:rPr lang="nl-NL" sz="1000">
+                <a:solidFill>
+                  <a:srgbClr val="4A86E8"/>
+                </a:solidFill>
+                <a:latin typeface="Open Sans"/>
+                <a:ea typeface="Open Sans"/>
+                <a:cs typeface="Open Sans"/>
+              </a:rPr>
+              <a:t> </a:t>
+            </a:r>
+            <a:r>
+              <a:rPr lang="nl-NL" sz="1000" err="1">
+                <a:solidFill>
+                  <a:srgbClr val="4A86E8"/>
+                </a:solidFill>
+                <a:latin typeface="Open Sans"/>
+                <a:ea typeface="Open Sans"/>
+                <a:cs typeface="Open Sans"/>
+              </a:rPr>
+              <a:t>basically</a:t>
+            </a:r>
+            <a:r>
+              <a:rPr lang="nl-NL" sz="1000">
+                <a:solidFill>
+                  <a:srgbClr val="4A86E8"/>
+                </a:solidFill>
+                <a:latin typeface="Open Sans"/>
+                <a:ea typeface="Open Sans"/>
+                <a:cs typeface="Open Sans"/>
+              </a:rPr>
+              <a:t> </a:t>
+            </a:r>
+            <a:r>
+              <a:rPr lang="nl-NL" sz="1000" err="1">
+                <a:solidFill>
+                  <a:srgbClr val="4A86E8"/>
+                </a:solidFill>
+                <a:latin typeface="Open Sans"/>
+                <a:ea typeface="Open Sans"/>
+                <a:cs typeface="Open Sans"/>
+              </a:rPr>
+              <a:t>everyone</a:t>
+            </a:r>
+            <a:r>
+              <a:rPr lang="nl-NL" sz="1000">
+                <a:solidFill>
+                  <a:srgbClr val="4A86E8"/>
+                </a:solidFill>
+                <a:latin typeface="Open Sans"/>
+                <a:ea typeface="Open Sans"/>
+                <a:cs typeface="Open Sans"/>
+              </a:rPr>
+              <a:t> (?)</a:t>
+            </a:r>
+          </a:p>
+          <a:p>
+            <a:r>
+              <a:rPr lang="nl-NL" sz="1000">
+                <a:solidFill>
+                  <a:srgbClr val="4A86E8"/>
+                </a:solidFill>
+                <a:latin typeface="Open Sans"/>
+                <a:ea typeface="Open Sans"/>
+                <a:cs typeface="Open Sans"/>
+              </a:rPr>
+              <a:t>-</a:t>
+            </a:r>
+            <a:r>
+              <a:rPr lang="nl-NL" sz="1000" err="1">
+                <a:solidFill>
+                  <a:srgbClr val="4A86E8"/>
+                </a:solidFill>
+                <a:latin typeface="Open Sans"/>
+                <a:ea typeface="Open Sans"/>
+                <a:cs typeface="Open Sans"/>
+              </a:rPr>
+              <a:t>Creating</a:t>
+            </a:r>
+            <a:r>
+              <a:rPr lang="nl-NL" sz="1000">
+                <a:solidFill>
+                  <a:srgbClr val="4A86E8"/>
+                </a:solidFill>
+                <a:latin typeface="Open Sans"/>
+                <a:ea typeface="Open Sans"/>
+                <a:cs typeface="Open Sans"/>
+              </a:rPr>
+              <a:t> a list of </a:t>
+            </a:r>
+            <a:r>
+              <a:rPr lang="nl-NL" sz="1000" err="1">
+                <a:solidFill>
+                  <a:srgbClr val="4A86E8"/>
+                </a:solidFill>
+                <a:latin typeface="Open Sans"/>
+                <a:ea typeface="Open Sans"/>
+                <a:cs typeface="Open Sans"/>
+              </a:rPr>
+              <a:t>general</a:t>
+            </a:r>
+            <a:r>
+              <a:rPr lang="nl-NL" sz="1000">
+                <a:solidFill>
+                  <a:srgbClr val="4A86E8"/>
+                </a:solidFill>
+                <a:latin typeface="Open Sans"/>
+                <a:ea typeface="Open Sans"/>
+                <a:cs typeface="Open Sans"/>
+              </a:rPr>
+              <a:t> </a:t>
+            </a:r>
+            <a:r>
+              <a:rPr lang="nl-NL" sz="1000" err="1">
+                <a:solidFill>
+                  <a:srgbClr val="4A86E8"/>
+                </a:solidFill>
+                <a:latin typeface="Open Sans"/>
+                <a:ea typeface="Open Sans"/>
+                <a:cs typeface="Open Sans"/>
+              </a:rPr>
+              <a:t>questions</a:t>
+            </a:r>
           </a:p>
         </p:txBody>
       </p:sp>
@@ -6461,7 +7674,7 @@
           <a:lstStyle/>
           <a:p>
             <a:r>
-              <a:rPr lang="en-US" sz="1400" b="0" i="0" u="none" strike="noStrike" cap="none" dirty="0">
+              <a:rPr lang="en-US" sz="1400" b="0" i="0" u="none" strike="noStrike" cap="none">
                 <a:solidFill>
                   <a:srgbClr val="000000"/>
                 </a:solidFill>
